--- a/Apresentacao web.pptx
+++ b/Apresentacao web.pptx
@@ -12,9 +12,9 @@
     <p:sldId id="257" r:id="rId3"/>
     <p:sldId id="262" r:id="rId4"/>
     <p:sldId id="263" r:id="rId5"/>
-    <p:sldId id="258" r:id="rId6"/>
-    <p:sldId id="270" r:id="rId7"/>
-    <p:sldId id="271" r:id="rId8"/>
+    <p:sldId id="271" r:id="rId6"/>
+    <p:sldId id="258" r:id="rId7"/>
+    <p:sldId id="270" r:id="rId8"/>
     <p:sldId id="272" r:id="rId9"/>
     <p:sldId id="265" r:id="rId10"/>
   </p:sldIdLst>
@@ -133,13 +133,13 @@
             <p14:sldId id="257"/>
             <p14:sldId id="262"/>
             <p14:sldId id="263"/>
+            <p14:sldId id="271"/>
             <p14:sldId id="258"/>
           </p14:sldIdLst>
         </p14:section>
         <p14:section name="Seção sem Título" id="{AAD31C2C-AABE-4F4A-BCDF-16BDE95F95F1}">
           <p14:sldIdLst>
             <p14:sldId id="270"/>
-            <p14:sldId id="271"/>
             <p14:sldId id="272"/>
             <p14:sldId id="265"/>
           </p14:sldIdLst>
@@ -235,7 +235,7 @@
           <a:p>
             <a:fld id="{94934D0A-E037-4CA4-8577-2C066E69F2B7}" type="datetimeFigureOut">
               <a:rPr lang="pt-BR" smtClean="0"/>
-              <a:t>06/06/2019</a:t>
+              <a:t>07/06/2019</a:t>
             </a:fld>
             <a:endParaRPr lang="pt-BR"/>
           </a:p>
@@ -695,7 +695,7 @@
           <a:p>
             <a:fld id="{ACE12015-13B3-44AC-A429-0FB1B3495944}" type="datetimeFigureOut">
               <a:rPr lang="pt-BR" smtClean="0"/>
-              <a:t>06/06/2019</a:t>
+              <a:t>07/06/2019</a:t>
             </a:fld>
             <a:endParaRPr lang="pt-BR"/>
           </a:p>
@@ -865,7 +865,7 @@
           <a:p>
             <a:fld id="{ACE12015-13B3-44AC-A429-0FB1B3495944}" type="datetimeFigureOut">
               <a:rPr lang="pt-BR" smtClean="0"/>
-              <a:t>06/06/2019</a:t>
+              <a:t>07/06/2019</a:t>
             </a:fld>
             <a:endParaRPr lang="pt-BR"/>
           </a:p>
@@ -1045,7 +1045,7 @@
           <a:p>
             <a:fld id="{ACE12015-13B3-44AC-A429-0FB1B3495944}" type="datetimeFigureOut">
               <a:rPr lang="pt-BR" smtClean="0"/>
-              <a:t>06/06/2019</a:t>
+              <a:t>07/06/2019</a:t>
             </a:fld>
             <a:endParaRPr lang="pt-BR"/>
           </a:p>
@@ -1407,7 +1407,7 @@
           <a:p>
             <a:fld id="{ACE12015-13B3-44AC-A429-0FB1B3495944}" type="datetimeFigureOut">
               <a:rPr lang="pt-BR" smtClean="0"/>
-              <a:t>06/06/2019</a:t>
+              <a:t>07/06/2019</a:t>
             </a:fld>
             <a:endParaRPr lang="pt-BR"/>
           </a:p>
@@ -1653,7 +1653,7 @@
           <a:p>
             <a:fld id="{ACE12015-13B3-44AC-A429-0FB1B3495944}" type="datetimeFigureOut">
               <a:rPr lang="pt-BR" smtClean="0"/>
-              <a:t>06/06/2019</a:t>
+              <a:t>07/06/2019</a:t>
             </a:fld>
             <a:endParaRPr lang="pt-BR"/>
           </a:p>
@@ -1885,7 +1885,7 @@
           <a:p>
             <a:fld id="{ACE12015-13B3-44AC-A429-0FB1B3495944}" type="datetimeFigureOut">
               <a:rPr lang="pt-BR" smtClean="0"/>
-              <a:t>06/06/2019</a:t>
+              <a:t>07/06/2019</a:t>
             </a:fld>
             <a:endParaRPr lang="pt-BR"/>
           </a:p>
@@ -2252,7 +2252,7 @@
           <a:p>
             <a:fld id="{ACE12015-13B3-44AC-A429-0FB1B3495944}" type="datetimeFigureOut">
               <a:rPr lang="pt-BR" smtClean="0"/>
-              <a:t>06/06/2019</a:t>
+              <a:t>07/06/2019</a:t>
             </a:fld>
             <a:endParaRPr lang="pt-BR"/>
           </a:p>
@@ -2370,7 +2370,7 @@
           <a:p>
             <a:fld id="{ACE12015-13B3-44AC-A429-0FB1B3495944}" type="datetimeFigureOut">
               <a:rPr lang="pt-BR" smtClean="0"/>
-              <a:t>06/06/2019</a:t>
+              <a:t>07/06/2019</a:t>
             </a:fld>
             <a:endParaRPr lang="pt-BR"/>
           </a:p>
@@ -2465,7 +2465,7 @@
           <a:p>
             <a:fld id="{ACE12015-13B3-44AC-A429-0FB1B3495944}" type="datetimeFigureOut">
               <a:rPr lang="pt-BR" smtClean="0"/>
-              <a:t>06/06/2019</a:t>
+              <a:t>07/06/2019</a:t>
             </a:fld>
             <a:endParaRPr lang="pt-BR"/>
           </a:p>
@@ -2742,7 +2742,7 @@
           <a:p>
             <a:fld id="{ACE12015-13B3-44AC-A429-0FB1B3495944}" type="datetimeFigureOut">
               <a:rPr lang="pt-BR" smtClean="0"/>
-              <a:t>06/06/2019</a:t>
+              <a:t>07/06/2019</a:t>
             </a:fld>
             <a:endParaRPr lang="pt-BR"/>
           </a:p>
@@ -2995,7 +2995,7 @@
           <a:p>
             <a:fld id="{ACE12015-13B3-44AC-A429-0FB1B3495944}" type="datetimeFigureOut">
               <a:rPr lang="pt-BR" smtClean="0"/>
-              <a:t>06/06/2019</a:t>
+              <a:t>07/06/2019</a:t>
             </a:fld>
             <a:endParaRPr lang="pt-BR"/>
           </a:p>
@@ -3217,7 +3217,7 @@
           <a:p>
             <a:fld id="{ACE12015-13B3-44AC-A429-0FB1B3495944}" type="datetimeFigureOut">
               <a:rPr lang="pt-BR" smtClean="0"/>
-              <a:t>06/06/2019</a:t>
+              <a:t>07/06/2019</a:t>
             </a:fld>
             <a:endParaRPr lang="pt-BR"/>
           </a:p>
@@ -3669,15 +3669,7 @@
                   <a:srgbClr val="00B050"/>
                 </a:solidFill>
               </a:rPr>
-              <a:t>Sistema de </a:t>
-            </a:r>
-            <a:r>
-              <a:rPr lang="pt-BR" b="1" dirty="0" smtClean="0">
-                <a:solidFill>
-                  <a:srgbClr val="00B050"/>
-                </a:solidFill>
-              </a:rPr>
-              <a:t>Apoio a Portadores </a:t>
+              <a:t>Sistema de Apoio a Portadores </a:t>
             </a:r>
             <a:r>
               <a:rPr lang="pt-BR" b="1" dirty="0">
@@ -3911,17 +3903,7 @@
                 <a:latin typeface="Arial" pitchFamily="34" charset="0"/>
                 <a:cs typeface="Times New Roman" pitchFamily="18" charset="0"/>
               </a:rPr>
-              <a:t>Programação </a:t>
-            </a:r>
-            <a:r>
-              <a:rPr lang="pt-PT" sz="2000" b="1" dirty="0" smtClean="0">
-                <a:solidFill>
-                  <a:prstClr val="black"/>
-                </a:solidFill>
-                <a:latin typeface="Arial" pitchFamily="34" charset="0"/>
-                <a:cs typeface="Times New Roman" pitchFamily="18" charset="0"/>
-              </a:rPr>
-              <a:t>Web e Sistemas </a:t>
+              <a:t>Programação Web e Sistemas </a:t>
             </a:r>
             <a:r>
               <a:rPr lang="pt-PT" sz="2000" b="1" dirty="0">
@@ -4044,14 +4026,7 @@
                 <a:latin typeface="Arial" panose="020B0604020202020204" pitchFamily="34" charset="0"/>
                 <a:cs typeface="Arial" panose="020B0604020202020204" pitchFamily="34" charset="0"/>
               </a:rPr>
-              <a:t>Mulendja, Vânia</a:t>
-            </a:r>
-            <a:r>
-              <a:rPr lang="pt-PT" sz="1600" dirty="0" smtClean="0">
-                <a:latin typeface="Arial" panose="020B0604020202020204" pitchFamily="34" charset="0"/>
-                <a:cs typeface="Arial" panose="020B0604020202020204" pitchFamily="34" charset="0"/>
-              </a:rPr>
-              <a:t> </a:t>
+              <a:t>Mulendja, Vânia </a:t>
             </a:r>
             <a:endParaRPr lang="pt-PT" sz="1600" dirty="0">
               <a:latin typeface="Arial" panose="020B0604020202020204" pitchFamily="34" charset="0"/>
@@ -4505,23 +4480,7 @@
                   <a:schemeClr val="bg1"/>
                 </a:solidFill>
               </a:rPr>
-              <a:t>Agenda </a:t>
-            </a:r>
-            <a:r>
-              <a:rPr lang="pt-BR" b="1" dirty="0" smtClean="0">
-                <a:solidFill>
-                  <a:schemeClr val="bg1"/>
-                </a:solidFill>
-              </a:rPr>
-              <a:t>da </a:t>
-            </a:r>
-            <a:r>
-              <a:rPr lang="pt-BR" b="1" dirty="0" smtClean="0">
-                <a:solidFill>
-                  <a:schemeClr val="bg1"/>
-                </a:solidFill>
-              </a:rPr>
-              <a:t>Apresentação:</a:t>
+              <a:t>Agenda da Apresentação:</a:t>
             </a:r>
             <a:endParaRPr lang="pt-BR" b="1" dirty="0">
               <a:solidFill>
@@ -4569,16 +4528,11 @@
               <a:rPr lang="pt-BR" b="1" dirty="0" smtClean="0"/>
               <a:t>Metodologias</a:t>
             </a:r>
-            <a:endParaRPr lang="pt-BR" b="1" dirty="0" smtClean="0"/>
           </a:p>
           <a:p>
             <a:r>
               <a:rPr lang="pt-BR" b="1" dirty="0" smtClean="0"/>
-              <a:t>Apresentação </a:t>
-            </a:r>
-            <a:r>
-              <a:rPr lang="pt-BR" b="1" dirty="0" smtClean="0"/>
-              <a:t>da plataforma</a:t>
+              <a:t>Apresentação da plataforma</a:t>
             </a:r>
             <a:endParaRPr lang="pt-BR" b="1" dirty="0"/>
           </a:p>
@@ -4600,11 +4554,11 @@
   <p:clrMapOvr>
     <a:masterClrMapping/>
   </p:clrMapOvr>
-  <mc:AlternateContent xmlns:mc="http://schemas.openxmlformats.org/markup-compatibility/2006">
-    <mc:Choice xmlns:p14="http://schemas.microsoft.com/office/powerpoint/2010/main" Requires="p14">
+  <mc:AlternateContent xmlns:mc="http://schemas.openxmlformats.org/markup-compatibility/2006" xmlns:p14="http://schemas.microsoft.com/office/powerpoint/2010/main">
+    <mc:Choice Requires="p14">
       <p:transition p14:dur="0"/>
     </mc:Choice>
-    <mc:Fallback>
+    <mc:Fallback xmlns="">
       <p:transition/>
     </mc:Fallback>
   </mc:AlternateContent>
@@ -4917,11 +4871,7 @@
             <a:pPr algn="ctr"/>
             <a:r>
               <a:rPr lang="pt-BR" dirty="0" smtClean="0"/>
-              <a:t>Contextualiza</a:t>
-            </a:r>
-            <a:r>
-              <a:rPr lang="pt-BR" dirty="0" smtClean="0"/>
-              <a:t>ção</a:t>
+              <a:t>Contextualização</a:t>
             </a:r>
             <a:endParaRPr lang="pt-BR" dirty="0"/>
           </a:p>
@@ -5080,11 +5030,11 @@
   <p:clrMapOvr>
     <a:masterClrMapping/>
   </p:clrMapOvr>
-  <mc:AlternateContent xmlns:mc="http://schemas.openxmlformats.org/markup-compatibility/2006">
-    <mc:Choice xmlns:p14="http://schemas.microsoft.com/office/powerpoint/2010/main" Requires="p14">
+  <mc:AlternateContent xmlns:mc="http://schemas.openxmlformats.org/markup-compatibility/2006" xmlns:p14="http://schemas.microsoft.com/office/powerpoint/2010/main">
+    <mc:Choice Requires="p14">
       <p:transition p14:dur="0"/>
     </mc:Choice>
-    <mc:Fallback>
+    <mc:Fallback xmlns="">
       <p:transition/>
     </mc:Fallback>
   </mc:AlternateContent>
@@ -5352,7 +5302,7 @@
             </a:br>
             <a:r>
               <a:rPr lang="pt-BR" dirty="0" smtClean="0"/>
-              <a:t> Descrição</a:t>
+              <a:t> Metodologias</a:t>
             </a:r>
             <a:endParaRPr lang="pt-BR" dirty="0"/>
           </a:p>
@@ -5370,34 +5320,33 @@
         </p:nvSpPr>
         <p:spPr>
           <a:xfrm>
-            <a:off x="838200" y="2715065"/>
-            <a:ext cx="10515600" cy="3461897"/>
+            <a:off x="838200" y="2433712"/>
+            <a:ext cx="10515600" cy="4037426"/>
           </a:xfrm>
         </p:spPr>
         <p:txBody>
           <a:bodyPr>
-            <a:normAutofit lnSpcReduction="10000"/>
+            <a:normAutofit/>
           </a:bodyPr>
           <a:lstStyle/>
           <a:p>
-            <a:pPr marL="0" indent="0">
-              <a:buNone/>
-            </a:pPr>
             <a:r>
               <a:rPr lang="pt-BR" dirty="0" smtClean="0"/>
-              <a:t>O sistema possui três tipos distintos de usuários, respectivamente:</a:t>
-            </a:r>
-          </a:p>
-          <a:p>
-            <a:pPr marL="0" indent="0">
-              <a:buNone/>
-            </a:pPr>
+              <a:t>Divisão de tarefas através de um módulo de </a:t>
+            </a:r>
+            <a:r>
+              <a:rPr lang="pt-BR" dirty="0" err="1" smtClean="0"/>
+              <a:t>actividades</a:t>
+            </a:r>
+            <a:endParaRPr lang="pt-BR" dirty="0" smtClean="0"/>
+          </a:p>
+          <a:p>
             <a:endParaRPr lang="pt-BR" dirty="0"/>
           </a:p>
           <a:p>
             <a:r>
               <a:rPr lang="pt-BR" dirty="0" smtClean="0"/>
-              <a:t>Administrador</a:t>
+              <a:t>Investigações individuais constantes</a:t>
             </a:r>
           </a:p>
           <a:p>
@@ -5406,7 +5355,7 @@
           <a:p>
             <a:r>
               <a:rPr lang="pt-BR" dirty="0" smtClean="0"/>
-              <a:t>Visitante</a:t>
+              <a:t>Uso de ferramentas auxiliares como para aumentar a produtividade do grupo e maximizar o trabalho.</a:t>
             </a:r>
           </a:p>
           <a:p>
@@ -5415,7 +5364,7 @@
           <a:p>
             <a:r>
               <a:rPr lang="pt-BR" dirty="0" smtClean="0"/>
-              <a:t>Doente/Representante</a:t>
+              <a:t>Estabelecimento de metas e prazos semanais.</a:t>
             </a:r>
             <a:endParaRPr lang="pt-BR" dirty="0"/>
           </a:p>
@@ -5424,7 +5373,7 @@
     </p:spTree>
     <p:extLst>
       <p:ext uri="{BB962C8B-B14F-4D97-AF65-F5344CB8AC3E}">
-        <p14:creationId xmlns:p14="http://schemas.microsoft.com/office/powerpoint/2010/main" val="2253808793"/>
+        <p14:creationId xmlns:p14="http://schemas.microsoft.com/office/powerpoint/2010/main" val="346010359"/>
       </p:ext>
     </p:extLst>
   </p:cSld>
@@ -5508,13 +5457,13 @@
         </p:nvSpPr>
         <p:spPr>
           <a:xfrm>
-            <a:off x="838200" y="2715064"/>
-            <a:ext cx="10515600" cy="3938953"/>
+            <a:off x="838200" y="2715065"/>
+            <a:ext cx="10515600" cy="3461897"/>
           </a:xfrm>
         </p:spPr>
         <p:txBody>
           <a:bodyPr>
-            <a:normAutofit/>
+            <a:normAutofit lnSpcReduction="10000"/>
           </a:bodyPr>
           <a:lstStyle/>
           <a:p>
@@ -5523,46 +5472,37 @@
             </a:pPr>
             <a:r>
               <a:rPr lang="pt-BR" dirty="0" smtClean="0"/>
-              <a:t>As principais funcionalidades </a:t>
-            </a:r>
-            <a:r>
-              <a:rPr lang="pt-BR" dirty="0"/>
-              <a:t>da </a:t>
-            </a:r>
+              <a:t>O sistema possui três tipos distintos de usuários, respectivamente:</a:t>
+            </a:r>
+          </a:p>
+          <a:p>
+            <a:pPr marL="0" indent="0">
+              <a:buNone/>
+            </a:pPr>
+            <a:endParaRPr lang="pt-BR" dirty="0"/>
+          </a:p>
+          <a:p>
             <a:r>
               <a:rPr lang="pt-BR" dirty="0" smtClean="0"/>
-              <a:t>aplicação incluem:</a:t>
-            </a:r>
+              <a:t>Administrador</a:t>
+            </a:r>
+          </a:p>
+          <a:p>
             <a:endParaRPr lang="pt-BR" dirty="0" smtClean="0"/>
           </a:p>
           <a:p>
             <a:r>
               <a:rPr lang="pt-BR" dirty="0" smtClean="0"/>
-              <a:t>Participar de fóruns.</a:t>
-            </a:r>
+              <a:t>Visitante</a:t>
+            </a:r>
+          </a:p>
+          <a:p>
+            <a:endParaRPr lang="pt-BR" dirty="0" smtClean="0"/>
           </a:p>
           <a:p>
             <a:r>
               <a:rPr lang="pt-BR" dirty="0" smtClean="0"/>
-              <a:t>Publicar testemunhos.</a:t>
-            </a:r>
-          </a:p>
-          <a:p>
-            <a:r>
-              <a:rPr lang="pt-BR" dirty="0" smtClean="0"/>
-              <a:t>Publicar pedidos de apoio.</a:t>
-            </a:r>
-          </a:p>
-          <a:p>
-            <a:r>
-              <a:rPr lang="pt-BR" dirty="0" smtClean="0"/>
-              <a:t>Visualizar e partilhar campanhas e artigos.</a:t>
-            </a:r>
-          </a:p>
-          <a:p>
-            <a:r>
-              <a:rPr lang="pt-BR" dirty="0" smtClean="0"/>
-              <a:t>Visualizar documentos contendo relatórios.</a:t>
+              <a:t>Doente/Representante</a:t>
             </a:r>
             <a:endParaRPr lang="pt-BR" dirty="0"/>
           </a:p>
@@ -5571,7 +5511,7 @@
     </p:spTree>
     <p:extLst>
       <p:ext uri="{BB962C8B-B14F-4D97-AF65-F5344CB8AC3E}">
-        <p14:creationId xmlns:p14="http://schemas.microsoft.com/office/powerpoint/2010/main" val="2408226158"/>
+        <p14:creationId xmlns:p14="http://schemas.microsoft.com/office/powerpoint/2010/main" val="2253808793"/>
       </p:ext>
     </p:extLst>
   </p:cSld>
@@ -5637,7 +5577,7 @@
             </a:br>
             <a:r>
               <a:rPr lang="pt-BR" dirty="0" smtClean="0"/>
-              <a:t> Metodologias</a:t>
+              <a:t> Descrição</a:t>
             </a:r>
             <a:endParaRPr lang="pt-BR" dirty="0"/>
           </a:p>
@@ -5655,8 +5595,8 @@
         </p:nvSpPr>
         <p:spPr>
           <a:xfrm>
-            <a:off x="838200" y="2433712"/>
-            <a:ext cx="10515600" cy="4037426"/>
+            <a:off x="838200" y="2715064"/>
+            <a:ext cx="10515600" cy="3938953"/>
           </a:xfrm>
         </p:spPr>
         <p:txBody>
@@ -5665,41 +5605,50 @@
           </a:bodyPr>
           <a:lstStyle/>
           <a:p>
+            <a:pPr marL="0" indent="0">
+              <a:buNone/>
+            </a:pPr>
             <a:r>
               <a:rPr lang="pt-BR" dirty="0" smtClean="0"/>
-              <a:t>Divisão de tarefas através de um módulo de </a:t>
-            </a:r>
-            <a:r>
-              <a:rPr lang="pt-BR" dirty="0" err="1" smtClean="0"/>
-              <a:t>actividades</a:t>
-            </a:r>
-            <a:endParaRPr lang="pt-BR" dirty="0" smtClean="0"/>
-          </a:p>
-          <a:p>
-            <a:endParaRPr lang="pt-BR" dirty="0"/>
-          </a:p>
-          <a:p>
+              <a:t>As principais funcionalidades </a:t>
+            </a:r>
+            <a:r>
+              <a:rPr lang="pt-BR" dirty="0"/>
+              <a:t>da </a:t>
+            </a:r>
             <a:r>
               <a:rPr lang="pt-BR" dirty="0" smtClean="0"/>
-              <a:t>Investigações individuais constantes</a:t>
-            </a:r>
-          </a:p>
-          <a:p>
-            <a:endParaRPr lang="pt-BR" dirty="0" smtClean="0"/>
+              <a:t>aplicação incluem:</a:t>
+            </a:r>
           </a:p>
           <a:p>
             <a:r>
               <a:rPr lang="pt-BR" dirty="0" smtClean="0"/>
-              <a:t>Uso de ferramentas auxiliares como para aumentar a produtividade do grupo e maximizar o trabalho.</a:t>
-            </a:r>
-          </a:p>
-          <a:p>
-            <a:endParaRPr lang="pt-BR" dirty="0" smtClean="0"/>
+              <a:t>Participar de fóruns.</a:t>
+            </a:r>
           </a:p>
           <a:p>
             <a:r>
               <a:rPr lang="pt-BR" dirty="0" smtClean="0"/>
-              <a:t>Estabelecimento de metas e prazos semanais.</a:t>
+              <a:t>Publicar testemunhos.</a:t>
+            </a:r>
+          </a:p>
+          <a:p>
+            <a:r>
+              <a:rPr lang="pt-BR" dirty="0" smtClean="0"/>
+              <a:t>Publicar pedidos de apoio.</a:t>
+            </a:r>
+          </a:p>
+          <a:p>
+            <a:r>
+              <a:rPr lang="pt-BR" dirty="0" smtClean="0"/>
+              <a:t>Visualizar e partilhar campanhas e artigos.</a:t>
+            </a:r>
+          </a:p>
+          <a:p>
+            <a:r>
+              <a:rPr lang="pt-BR" dirty="0" smtClean="0"/>
+              <a:t>Visualizar documentos contendo relatórios.</a:t>
             </a:r>
             <a:endParaRPr lang="pt-BR" dirty="0"/>
           </a:p>
@@ -5708,7 +5657,7 @@
     </p:spTree>
     <p:extLst>
       <p:ext uri="{BB962C8B-B14F-4D97-AF65-F5344CB8AC3E}">
-        <p14:creationId xmlns:p14="http://schemas.microsoft.com/office/powerpoint/2010/main" val="346010359"/>
+        <p14:creationId xmlns:p14="http://schemas.microsoft.com/office/powerpoint/2010/main" val="2408226158"/>
       </p:ext>
     </p:extLst>
   </p:cSld>

--- a/Apresentacao web.pptx
+++ b/Apresentacao web.pptx
@@ -118,15 +118,6 @@
   <p:extLst>
     <p:ext uri="{521415D9-36F7-43E2-AB2F-B90AF26B5E84}">
       <p14:sectionLst xmlns:p14="http://schemas.microsoft.com/office/powerpoint/2010/main">
-        <p14:section name="Seção sem Título" id="{83CD0EB1-2EBC-4C4B-905D-42D86892A10B}">
-          <p14:sldIdLst/>
-        </p14:section>
-        <p14:section name="Seção sem Título" id="{8B2F3852-BCE2-4C98-B7B1-24092971D725}">
-          <p14:sldIdLst/>
-        </p14:section>
-        <p14:section name="Seção sem Título" id="{BAA3E3A2-B591-488E-9BE2-85D4AA205CA7}">
-          <p14:sldIdLst/>
-        </p14:section>
         <p14:section name="Seção sem Título" id="{B5A00F56-7859-4DF6-B299-9FFAD97F4454}">
           <p14:sldIdLst>
             <p14:sldId id="256"/>
@@ -3944,7 +3935,7 @@
         <p:spPr>
           <a:xfrm>
             <a:off x="456240" y="4153743"/>
-            <a:ext cx="2135521" cy="2062103"/>
+            <a:ext cx="2135521" cy="2308324"/>
           </a:xfrm>
           <a:prstGeom prst="rect">
             <a:avLst/>
@@ -4027,6 +4018,33 @@
                 <a:cs typeface="Arial" panose="020B0604020202020204" pitchFamily="34" charset="0"/>
               </a:rPr>
               <a:t>Mulendja, Vânia </a:t>
+            </a:r>
+            <a:endParaRPr lang="pt-PT" sz="1600" dirty="0" smtClean="0">
+              <a:latin typeface="Arial" panose="020B0604020202020204" pitchFamily="34" charset="0"/>
+              <a:cs typeface="Arial" panose="020B0604020202020204" pitchFamily="34" charset="0"/>
+            </a:endParaRPr>
+          </a:p>
+          <a:p>
+            <a:r>
+              <a:rPr lang="en-GB" sz="1600" dirty="0" err="1" smtClean="0">
+                <a:latin typeface="Arial" panose="020B0604020202020204" pitchFamily="34" charset="0"/>
+                <a:cs typeface="Arial" panose="020B0604020202020204" pitchFamily="34" charset="0"/>
+              </a:rPr>
+              <a:t>Mupandza</a:t>
+            </a:r>
+            <a:r>
+              <a:rPr lang="en-GB" sz="1600" dirty="0" smtClean="0">
+                <a:latin typeface="Arial" panose="020B0604020202020204" pitchFamily="34" charset="0"/>
+                <a:cs typeface="Arial" panose="020B0604020202020204" pitchFamily="34" charset="0"/>
+              </a:rPr>
+              <a:t>, </a:t>
+            </a:r>
+            <a:r>
+              <a:rPr lang="en-GB" sz="1600" dirty="0" err="1" smtClean="0">
+                <a:latin typeface="Arial" panose="020B0604020202020204" pitchFamily="34" charset="0"/>
+                <a:cs typeface="Arial" panose="020B0604020202020204" pitchFamily="34" charset="0"/>
+              </a:rPr>
+              <a:t>Jossias</a:t>
             </a:r>
             <a:endParaRPr lang="pt-PT" sz="1600" dirty="0">
               <a:latin typeface="Arial" panose="020B0604020202020204" pitchFamily="34" charset="0"/>
@@ -4156,7 +4174,7 @@
         <p:spPr>
           <a:xfrm>
             <a:off x="8597901" y="4340395"/>
-            <a:ext cx="2258952" cy="1569660"/>
+            <a:ext cx="2207656" cy="1815882"/>
           </a:xfrm>
           <a:prstGeom prst="rect">
             <a:avLst/>
@@ -4177,7 +4195,59 @@
                 <a:latin typeface="Arial" pitchFamily="34" charset="0"/>
                 <a:cs typeface="Arial" pitchFamily="34" charset="0"/>
               </a:rPr>
-              <a:t>Docentes:</a:t>
+              <a:t>Docentes</a:t>
+            </a:r>
+            <a:r>
+              <a:rPr lang="pt-PT" sz="1600" b="1" dirty="0" smtClean="0">
+                <a:solidFill>
+                  <a:prstClr val="black"/>
+                </a:solidFill>
+                <a:latin typeface="Arial" pitchFamily="34" charset="0"/>
+                <a:cs typeface="Arial" pitchFamily="34" charset="0"/>
+              </a:rPr>
+              <a:t>:</a:t>
+            </a:r>
+          </a:p>
+          <a:p>
+            <a:r>
+              <a:rPr lang="pt-BR" sz="1600" dirty="0" err="1">
+                <a:solidFill>
+                  <a:prstClr val="black"/>
+                </a:solidFill>
+                <a:latin typeface="Arial" panose="020B0604020202020204" pitchFamily="34" charset="0"/>
+                <a:cs typeface="Arial" panose="020B0604020202020204" pitchFamily="34" charset="0"/>
+              </a:rPr>
+              <a:t>Eng</a:t>
+            </a:r>
+            <a:r>
+              <a:rPr lang="pt-BR" sz="1600" dirty="0" err="1">
+                <a:solidFill>
+                  <a:prstClr val="black"/>
+                </a:solidFill>
+                <a:latin typeface="Arial" panose="020B0604020202020204" pitchFamily="34" charset="0"/>
+                <a:cs typeface="Arial" panose="020B0604020202020204" pitchFamily="34" charset="0"/>
+              </a:rPr>
+              <a:t>°</a:t>
+            </a:r>
+            <a:r>
+              <a:rPr lang="pt-BR" sz="1600" dirty="0">
+                <a:solidFill>
+                  <a:prstClr val="black"/>
+                </a:solidFill>
+                <a:latin typeface="Arial" panose="020B0604020202020204" pitchFamily="34" charset="0"/>
+                <a:cs typeface="Arial" panose="020B0604020202020204" pitchFamily="34" charset="0"/>
+              </a:rPr>
+              <a:t> Ruben </a:t>
+            </a:r>
+            <a:r>
+              <a:rPr lang="pt-BR" sz="1600" dirty="0" err="1">
+                <a:solidFill>
+                  <a:prstClr val="black"/>
+                </a:solidFill>
+                <a:latin typeface="Arial" panose="020B0604020202020204" pitchFamily="34" charset="0"/>
+                <a:cs typeface="Arial" panose="020B0604020202020204" pitchFamily="34" charset="0"/>
+              </a:rPr>
+              <a:t>Manhica</a:t>
             </a:r>
             <a:endParaRPr lang="pt-BR" sz="1600" dirty="0">
               <a:solidFill>

--- a/Apresentacao web.pptx
+++ b/Apresentacao web.pptx
@@ -3944,7 +3944,7 @@
         <p:spPr>
           <a:xfrm>
             <a:off x="456240" y="4153743"/>
-            <a:ext cx="2135521" cy="2062103"/>
+            <a:ext cx="2135521" cy="2308324"/>
           </a:xfrm>
           <a:prstGeom prst="rect">
             <a:avLst/>
@@ -4027,6 +4027,33 @@
                 <a:cs typeface="Arial" panose="020B0604020202020204" pitchFamily="34" charset="0"/>
               </a:rPr>
               <a:t>Mulendja, Vânia </a:t>
+            </a:r>
+            <a:endParaRPr lang="pt-PT" sz="1600" dirty="0" smtClean="0">
+              <a:latin typeface="Arial" panose="020B0604020202020204" pitchFamily="34" charset="0"/>
+              <a:cs typeface="Arial" panose="020B0604020202020204" pitchFamily="34" charset="0"/>
+            </a:endParaRPr>
+          </a:p>
+          <a:p>
+            <a:r>
+              <a:rPr lang="pt-PT" sz="1600" dirty="0" err="1" smtClean="0">
+                <a:latin typeface="Arial" panose="020B0604020202020204" pitchFamily="34" charset="0"/>
+                <a:cs typeface="Arial" panose="020B0604020202020204" pitchFamily="34" charset="0"/>
+              </a:rPr>
+              <a:t>Mupandza</a:t>
+            </a:r>
+            <a:r>
+              <a:rPr lang="pt-PT" sz="1600" dirty="0" smtClean="0">
+                <a:latin typeface="Arial" panose="020B0604020202020204" pitchFamily="34" charset="0"/>
+                <a:cs typeface="Arial" panose="020B0604020202020204" pitchFamily="34" charset="0"/>
+              </a:rPr>
+              <a:t>, </a:t>
+            </a:r>
+            <a:r>
+              <a:rPr lang="pt-PT" sz="1600" dirty="0" err="1" smtClean="0">
+                <a:latin typeface="Arial" panose="020B0604020202020204" pitchFamily="34" charset="0"/>
+                <a:cs typeface="Arial" panose="020B0604020202020204" pitchFamily="34" charset="0"/>
+              </a:rPr>
+              <a:t>Jossias</a:t>
             </a:r>
             <a:endParaRPr lang="pt-PT" sz="1600" dirty="0">
               <a:latin typeface="Arial" panose="020B0604020202020204" pitchFamily="34" charset="0"/>
@@ -5355,7 +5382,19 @@
           <a:p>
             <a:r>
               <a:rPr lang="pt-BR" dirty="0" smtClean="0"/>
-              <a:t>Uso de ferramentas auxiliares como para aumentar a produtividade do grupo e maximizar o trabalho.</a:t>
+              <a:t>Uso de </a:t>
+            </a:r>
+            <a:r>
+              <a:rPr lang="pt-BR" smtClean="0"/>
+              <a:t>ferramentas </a:t>
+            </a:r>
+            <a:r>
+              <a:rPr lang="pt-BR" smtClean="0"/>
+              <a:t>auxiliares </a:t>
+            </a:r>
+            <a:r>
+              <a:rPr lang="pt-BR" dirty="0" smtClean="0"/>
+              <a:t>para aumentar a produtividade do grupo e maximizar o trabalho.</a:t>
             </a:r>
           </a:p>
           <a:p>
